--- a/trunk/Presentation/Slides.pptx
+++ b/trunk/Presentation/Slides.pptx
@@ -7270,13 +7270,21 @@
               <a:defRPr/>
             </a:pPr>
             <a:r>
-              <a:rPr lang="da-DK" sz="4000"/>
-              <a:t>Future Work</a:t>
+              <a:rPr lang="da-DK" sz="4000" dirty="0"/>
+              <a:t>Future </a:t>
+            </a:r>
+            <a:r>
+              <a:rPr lang="da-DK" sz="4000" dirty="0" err="1"/>
+              <a:t>Work</a:t>
+            </a:r>
+            <a:r>
+              <a:rPr lang="da-DK" sz="4000" dirty="0"/>
+              <a:t/>
             </a:r>
             <a:br>
-              <a:rPr lang="da-DK" sz="4000"/>
+              <a:rPr lang="da-DK" sz="4000" dirty="0"/>
             </a:br>
-            <a:endParaRPr lang="en-US" sz="4000"/>
+            <a:endParaRPr lang="en-US" sz="4000" dirty="0"/>
           </a:p>
         </p:txBody>
       </p:sp>
@@ -7292,52 +7300,69 @@
         </p:nvSpPr>
         <p:spPr/>
         <p:txBody>
-          <a:bodyPr/>
+          <a:bodyPr>
+            <a:normAutofit lnSpcReduction="10000"/>
+          </a:bodyPr>
           <a:lstStyle/>
           <a:p>
             <a:r>
-              <a:rPr lang="en-US" smtClean="0"/>
-              <a:t>Working GC</a:t>
-            </a:r>
-          </a:p>
-          <a:p>
-            <a:r>
-              <a:rPr lang="en-US" smtClean="0"/>
+              <a:rPr lang="en-US" dirty="0" smtClean="0"/>
+              <a:t>Eliminate need for Handles for all operations</a:t>
+            </a:r>
+          </a:p>
+          <a:p>
+            <a:r>
+              <a:rPr lang="en-US" dirty="0" smtClean="0"/>
+              <a:t>Working </a:t>
+            </a:r>
+            <a:r>
+              <a:rPr lang="en-US" dirty="0" smtClean="0"/>
+              <a:t>GC</a:t>
+            </a:r>
+          </a:p>
+          <a:p>
+            <a:r>
+              <a:rPr lang="en-US" dirty="0" smtClean="0"/>
               <a:t>Optimize</a:t>
             </a:r>
           </a:p>
           <a:p>
             <a:r>
-              <a:rPr lang="en-US" smtClean="0"/>
-              <a:t>.NET InterOp</a:t>
-            </a:r>
-          </a:p>
-          <a:p>
-            <a:r>
-              <a:rPr lang="en-US" smtClean="0"/>
+              <a:rPr lang="en-US" dirty="0" smtClean="0"/>
+              <a:t>.NET </a:t>
+            </a:r>
+            <a:r>
+              <a:rPr lang="en-US" dirty="0" err="1" smtClean="0"/>
+              <a:t>InterOp</a:t>
+            </a:r>
+            <a:endParaRPr lang="en-US" dirty="0" smtClean="0"/>
+          </a:p>
+          <a:p>
+            <a:r>
+              <a:rPr lang="en-US" dirty="0" smtClean="0"/>
               <a:t>Jitter</a:t>
             </a:r>
           </a:p>
           <a:p>
             <a:r>
-              <a:rPr lang="en-US" smtClean="0"/>
+              <a:rPr lang="en-US" dirty="0" smtClean="0"/>
               <a:t>Inline Cache</a:t>
             </a:r>
           </a:p>
           <a:p>
             <a:r>
-              <a:rPr lang="en-US" smtClean="0"/>
+              <a:rPr lang="en-US" dirty="0" smtClean="0"/>
               <a:t>More External/API</a:t>
             </a:r>
           </a:p>
           <a:p>
             <a:r>
-              <a:rPr lang="en-US" smtClean="0"/>
+              <a:rPr lang="en-US" dirty="0" smtClean="0"/>
               <a:t>Snapshot </a:t>
             </a:r>
           </a:p>
           <a:p>
-            <a:endParaRPr lang="en-US" smtClean="0"/>
+            <a:endParaRPr lang="en-US" dirty="0" smtClean="0"/>
           </a:p>
         </p:txBody>
       </p:sp>
@@ -7409,7 +7434,7 @@
         <p:spPr/>
         <p:txBody>
           <a:bodyPr>
-            <a:normAutofit fontScale="92500" lnSpcReduction="10000"/>
+            <a:normAutofit fontScale="92500" lnSpcReduction="20000"/>
           </a:bodyPr>
           <a:lstStyle/>
           <a:p>
@@ -7423,6 +7448,20 @@
             <a:r>
               <a:rPr lang="en-US" dirty="0" smtClean="0"/>
               <a:t>No high-level language at this point</a:t>
+            </a:r>
+          </a:p>
+          <a:p>
+            <a:r>
+              <a:rPr lang="en-US" dirty="0" smtClean="0"/>
+              <a:t>Class based + </a:t>
+            </a:r>
+            <a:r>
+              <a:rPr lang="en-US" dirty="0" err="1" smtClean="0"/>
+              <a:t>ints</a:t>
+            </a:r>
+            <a:r>
+              <a:rPr lang="en-US" dirty="0" smtClean="0"/>
+              <a:t> and strings basic types</a:t>
             </a:r>
             <a:endParaRPr lang="en-US" dirty="0" smtClean="0"/>
           </a:p>
@@ -7968,7 +8007,11 @@
             </a:pPr>
             <a:r>
               <a:rPr lang="en-US" dirty="0" smtClean="0"/>
-              <a:t>class &lt;class-name&gt; extends &lt;class-names&gt; {</a:t>
+              <a:t>.class &lt;visibility&gt; &lt;class-name</a:t>
+            </a:r>
+            <a:r>
+              <a:rPr lang="en-US" dirty="0" smtClean="0"/>
+              <a:t>&gt; extends &lt;class-names&gt; {</a:t>
             </a:r>
           </a:p>
           <a:p>
@@ -8081,7 +8124,15 @@
             </a:pPr>
             <a:r>
               <a:rPr lang="en-US" dirty="0" smtClean="0"/>
-              <a:t>	.handler &lt;message-name&gt;( &lt;names&gt; ) {</a:t>
+              <a:t>	.handler </a:t>
+            </a:r>
+            <a:r>
+              <a:rPr lang="en-US" dirty="0" smtClean="0"/>
+              <a:t>&lt;visibility&gt; &lt;message-name</a:t>
+            </a:r>
+            <a:r>
+              <a:rPr lang="en-US" dirty="0" smtClean="0"/>
+              <a:t>&gt;( &lt;names&gt; ) {</a:t>
             </a:r>
           </a:p>
           <a:p>
